--- a/katalyst.pptx
+++ b/katalyst.pptx
@@ -108,6 +108,11 @@
       </a:defRPr>
     </a:lvl9pPr>
   </p:defaultTextStyle>
+  <p:extLst>
+    <p:ext uri="{EFAFB233-063F-42B5-8137-9DF3F51BA10A}">
+      <p15:sldGuideLst xmlns:p15="http://schemas.microsoft.com/office/powerpoint/2012/main"/>
+    </p:ext>
+  </p:extLst>
 </p:presentation>
 </file>
 
@@ -4006,34 +4011,36 @@
         </p:nvSpPr>
         <p:spPr/>
         <p:txBody>
-          <a:bodyPr/>
+          <a:bodyPr>
+            <a:normAutofit/>
+          </a:bodyPr>
           <a:lstStyle/>
           <a:p>
             <a:r>
-              <a:rPr lang="en-GB" dirty="0" smtClean="0"/>
+              <a:rPr lang="en-GB" sz="2800" dirty="0" smtClean="0"/>
               <a:t>To help connect mentors and mentees.</a:t>
             </a:r>
           </a:p>
           <a:p>
             <a:r>
-              <a:rPr lang="en-GB" dirty="0" smtClean="0"/>
+              <a:rPr lang="en-GB" sz="2800" dirty="0" smtClean="0"/>
               <a:t>To help them schedule interactions.</a:t>
             </a:r>
           </a:p>
           <a:p>
             <a:r>
-              <a:rPr lang="en-GB" dirty="0" smtClean="0"/>
+              <a:rPr lang="en-GB" sz="2800" dirty="0" smtClean="0"/>
               <a:t>To track their progress.</a:t>
             </a:r>
           </a:p>
           <a:p>
-            <a:endParaRPr lang="en-GB" dirty="0" smtClean="0"/>
-          </a:p>
-          <a:p>
-            <a:endParaRPr lang="en-GB" dirty="0" smtClean="0"/>
-          </a:p>
-          <a:p>
-            <a:endParaRPr lang="en-GB" dirty="0" smtClean="0"/>
+            <a:endParaRPr lang="en-GB" sz="2800" dirty="0" smtClean="0"/>
+          </a:p>
+          <a:p>
+            <a:endParaRPr lang="en-GB" sz="2800" dirty="0" smtClean="0"/>
+          </a:p>
+          <a:p>
+            <a:endParaRPr lang="en-GB" sz="2800" dirty="0" smtClean="0"/>
           </a:p>
         </p:txBody>
       </p:sp>
@@ -4107,54 +4114,67 @@
             <p:ph idx="1"/>
           </p:nvPr>
         </p:nvSpPr>
-        <p:spPr/>
-        <p:txBody>
-          <a:bodyPr/>
+        <p:spPr>
+          <a:xfrm>
+            <a:off x="581192" y="3094901"/>
+            <a:ext cx="11029615" cy="3678303"/>
+          </a:xfrm>
+        </p:spPr>
+        <p:txBody>
+          <a:bodyPr>
+            <a:noAutofit/>
+          </a:bodyPr>
           <a:lstStyle/>
           <a:p>
             <a:r>
-              <a:rPr lang="en-GB" dirty="0" smtClean="0"/>
+              <a:rPr lang="en-GB" sz="2800" dirty="0" smtClean="0"/>
               <a:t>Registration</a:t>
             </a:r>
           </a:p>
           <a:p>
             <a:r>
-              <a:rPr lang="en-GB" dirty="0" smtClean="0"/>
+              <a:rPr lang="en-GB" sz="2800" dirty="0" smtClean="0"/>
               <a:t>Matching mentors to mentees</a:t>
             </a:r>
           </a:p>
           <a:p>
             <a:r>
-              <a:rPr lang="en-GB" dirty="0" smtClean="0"/>
+              <a:rPr lang="en-GB" sz="2800" dirty="0" smtClean="0"/>
               <a:t>Scheduling meetings</a:t>
             </a:r>
           </a:p>
           <a:p>
             <a:r>
-              <a:rPr lang="en-GB" dirty="0" smtClean="0"/>
-              <a:t>Keeps track of frequency of the meetings.</a:t>
-            </a:r>
-          </a:p>
-          <a:p>
-            <a:r>
-              <a:rPr lang="en-GB" dirty="0" smtClean="0"/>
-              <a:t>Reminders</a:t>
-            </a:r>
-          </a:p>
-          <a:p>
-            <a:r>
-              <a:rPr lang="en-GB" dirty="0" smtClean="0"/>
+              <a:rPr lang="en-GB" sz="2800" dirty="0" smtClean="0"/>
+              <a:t>Keeps track of frequency of the </a:t>
+            </a:r>
+            <a:r>
+              <a:rPr lang="en-GB" sz="2800" dirty="0" smtClean="0"/>
+              <a:t>meetings</a:t>
+            </a:r>
+            <a:endParaRPr lang="en-GB" sz="2800" dirty="0" smtClean="0"/>
+          </a:p>
+          <a:p>
+            <a:r>
+              <a:rPr lang="en-GB" sz="2800" dirty="0" smtClean="0"/>
+              <a:t>Alerts and Reminders</a:t>
+            </a:r>
+            <a:endParaRPr lang="en-GB" sz="2800" dirty="0" smtClean="0"/>
+          </a:p>
+          <a:p>
+            <a:r>
+              <a:rPr lang="en-GB" sz="2800" dirty="0" smtClean="0"/>
               <a:t>Performance report</a:t>
             </a:r>
           </a:p>
           <a:p>
-            <a:endParaRPr lang="en-GB" dirty="0" smtClean="0"/>
-          </a:p>
-          <a:p>
-            <a:endParaRPr lang="en-GB" dirty="0" smtClean="0"/>
-          </a:p>
-          <a:p>
-            <a:endParaRPr lang="en-GB" dirty="0"/>
+            <a:endParaRPr lang="en-GB" sz="2800" dirty="0" smtClean="0"/>
+          </a:p>
+          <a:p>
+            <a:endParaRPr lang="en-GB" sz="2800" dirty="0" smtClean="0"/>
+          </a:p>
+          <a:p>
+            <a:endParaRPr lang="en-GB" sz="2800" dirty="0"/>
           </a:p>
         </p:txBody>
       </p:sp>
@@ -4302,8 +4322,8 @@
         </p:nvSpPr>
         <p:spPr>
           <a:xfrm>
-            <a:off x="1532584" y="1390918"/>
-            <a:ext cx="9182638" cy="2800767"/>
+            <a:off x="1532584" y="3271233"/>
+            <a:ext cx="9182638" cy="1446550"/>
           </a:xfrm>
           <a:prstGeom prst="rect">
             <a:avLst/>
@@ -4320,21 +4340,10 @@
             <a:r>
               <a:rPr lang="en-GB" sz="8800" dirty="0" smtClean="0">
                 <a:solidFill>
-                  <a:srgbClr val="366658"/>
+                  <a:srgbClr val="8CB64A"/>
                 </a:solidFill>
               </a:rPr>
-              <a:t>THE END</a:t>
-            </a:r>
-          </a:p>
-          <a:p>
-            <a:pPr algn="ctr"/>
-            <a:r>
-              <a:rPr lang="en-GB" sz="8800" dirty="0" smtClean="0">
-                <a:solidFill>
-                  <a:srgbClr val="8CB64A"/>
-                </a:solidFill>
-              </a:rPr>
-              <a:t>THANK YOU</a:t>
+              <a:t>Q &amp; A</a:t>
             </a:r>
             <a:endParaRPr lang="en-GB" sz="8800" dirty="0">
               <a:solidFill>

--- a/katalyst.pptx
+++ b/katalyst.pptx
@@ -4146,20 +4146,14 @@
           <a:p>
             <a:r>
               <a:rPr lang="en-GB" sz="2800" dirty="0" smtClean="0"/>
-              <a:t>Keeps track of frequency of the </a:t>
-            </a:r>
-            <a:r>
-              <a:rPr lang="en-GB" sz="2800" dirty="0" smtClean="0"/>
-              <a:t>meetings</a:t>
-            </a:r>
-            <a:endParaRPr lang="en-GB" sz="2800" dirty="0" smtClean="0"/>
+              <a:t>Keeps track of frequency of the meetings</a:t>
+            </a:r>
           </a:p>
           <a:p>
             <a:r>
               <a:rPr lang="en-GB" sz="2800" dirty="0" smtClean="0"/>
               <a:t>Alerts and Reminders</a:t>
             </a:r>
-            <a:endParaRPr lang="en-GB" sz="2800" dirty="0" smtClean="0"/>
           </a:p>
           <a:p>
             <a:r>
@@ -4240,14 +4234,14 @@
             <a:r>
               <a:rPr lang="en-GB" sz="7200" dirty="0" smtClean="0">
                 <a:solidFill>
-                  <a:srgbClr val="8CB64A"/>
+                  <a:schemeClr val="tx2"/>
                 </a:solidFill>
               </a:rPr>
               <a:t>To the demo…</a:t>
             </a:r>
             <a:endParaRPr lang="en-GB" sz="7200" dirty="0">
               <a:solidFill>
-                <a:srgbClr val="8CB64A"/>
+                <a:schemeClr val="tx2"/>
               </a:solidFill>
             </a:endParaRPr>
           </a:p>
@@ -4322,7 +4316,7 @@
         </p:nvSpPr>
         <p:spPr>
           <a:xfrm>
-            <a:off x="1532584" y="3271233"/>
+            <a:off x="1532584" y="2910621"/>
             <a:ext cx="9182638" cy="1446550"/>
           </a:xfrm>
           <a:prstGeom prst="rect">
@@ -4340,14 +4334,14 @@
             <a:r>
               <a:rPr lang="en-GB" sz="8800" dirty="0" smtClean="0">
                 <a:solidFill>
-                  <a:srgbClr val="8CB64A"/>
+                  <a:schemeClr val="tx2"/>
                 </a:solidFill>
               </a:rPr>
               <a:t>Q &amp; A</a:t>
             </a:r>
             <a:endParaRPr lang="en-GB" sz="8800" dirty="0">
               <a:solidFill>
-                <a:srgbClr val="8CB64A"/>
+                <a:schemeClr val="tx2"/>
               </a:solidFill>
             </a:endParaRPr>
           </a:p>

--- a/katalyst.pptx
+++ b/katalyst.pptx
@@ -7,8 +7,8 @@
   <p:sldIdLst>
     <p:sldId id="256" r:id="rId2"/>
     <p:sldId id="257" r:id="rId3"/>
-    <p:sldId id="258" r:id="rId4"/>
-    <p:sldId id="259" r:id="rId5"/>
+    <p:sldId id="259" r:id="rId4"/>
+    <p:sldId id="261" r:id="rId5"/>
     <p:sldId id="260" r:id="rId6"/>
   </p:sldIdLst>
   <p:sldSz cx="12192000" cy="6858000"/>
@@ -4009,7 +4009,12 @@
             <p:ph idx="1"/>
           </p:nvPr>
         </p:nvSpPr>
-        <p:spPr/>
+        <p:spPr>
+          <a:xfrm>
+            <a:off x="581192" y="2657010"/>
+            <a:ext cx="11029615" cy="3678303"/>
+          </a:xfrm>
+        </p:spPr>
         <p:txBody>
           <a:bodyPr>
             <a:normAutofit/>
@@ -4030,8 +4035,30 @@
           <a:p>
             <a:r>
               <a:rPr lang="en-GB" sz="2800" dirty="0" smtClean="0"/>
-              <a:t>To track their progress.</a:t>
-            </a:r>
+              <a:t>To track their progress</a:t>
+            </a:r>
+            <a:r>
+              <a:rPr lang="en-GB" sz="2800" dirty="0" smtClean="0"/>
+              <a:t>.</a:t>
+            </a:r>
+          </a:p>
+          <a:p>
+            <a:r>
+              <a:rPr lang="en-GB" sz="2800" dirty="0" smtClean="0"/>
+              <a:t>To send alerts </a:t>
+            </a:r>
+            <a:r>
+              <a:rPr lang="en-GB" sz="2800" dirty="0"/>
+              <a:t>and </a:t>
+            </a:r>
+            <a:r>
+              <a:rPr lang="en-GB" sz="2800" dirty="0" smtClean="0"/>
+              <a:t>reminders.</a:t>
+            </a:r>
+            <a:endParaRPr lang="en-GB" sz="2800" dirty="0"/>
+          </a:p>
+          <a:p>
+            <a:endParaRPr lang="en-GB" sz="2800" dirty="0" smtClean="0"/>
           </a:p>
           <a:p>
             <a:endParaRPr lang="en-GB" sz="2800" dirty="0" smtClean="0"/>
@@ -4083,99 +4110,70 @@
       </p:grpSpPr>
       <p:sp>
         <p:nvSpPr>
-          <p:cNvPr id="2" name="Title 1"/>
-          <p:cNvSpPr>
-            <a:spLocks noGrp="1"/>
-          </p:cNvSpPr>
-          <p:nvPr>
-            <p:ph type="title"/>
-          </p:nvPr>
-        </p:nvSpPr>
-        <p:spPr/>
-        <p:txBody>
-          <a:bodyPr/>
-          <a:lstStyle/>
-          <a:p>
-            <a:r>
-              <a:rPr lang="en-GB" dirty="0" smtClean="0"/>
-              <a:t>features</a:t>
-            </a:r>
-            <a:endParaRPr lang="en-GB" dirty="0"/>
-          </a:p>
-        </p:txBody>
-      </p:sp>
-      <p:sp>
-        <p:nvSpPr>
-          <p:cNvPr id="3" name="Content Placeholder 2"/>
-          <p:cNvSpPr>
-            <a:spLocks noGrp="1"/>
-          </p:cNvSpPr>
-          <p:nvPr>
-            <p:ph idx="1"/>
-          </p:nvPr>
-        </p:nvSpPr>
-        <p:spPr>
-          <a:xfrm>
-            <a:off x="581192" y="3094901"/>
-            <a:ext cx="11029615" cy="3678303"/>
-          </a:xfrm>
-        </p:spPr>
-        <p:txBody>
-          <a:bodyPr>
-            <a:noAutofit/>
+          <p:cNvPr id="3" name="TextBox 2"/>
+          <p:cNvSpPr txBox="1"/>
+          <p:nvPr/>
+        </p:nvSpPr>
+        <p:spPr>
+          <a:xfrm>
+            <a:off x="6040189" y="4726547"/>
+            <a:ext cx="7379595" cy="1200329"/>
+          </a:xfrm>
+          <a:prstGeom prst="rect">
+            <a:avLst/>
+          </a:prstGeom>
+          <a:noFill/>
+        </p:spPr>
+        <p:txBody>
+          <a:bodyPr wrap="square" rtlCol="0">
+            <a:spAutoFit/>
           </a:bodyPr>
           <a:lstStyle/>
           <a:p>
             <a:r>
-              <a:rPr lang="en-GB" sz="2800" dirty="0" smtClean="0"/>
-              <a:t>Registration</a:t>
-            </a:r>
-          </a:p>
-          <a:p>
-            <a:r>
-              <a:rPr lang="en-GB" sz="2800" dirty="0" smtClean="0"/>
-              <a:t>Matching mentors to mentees</a:t>
-            </a:r>
-          </a:p>
-          <a:p>
-            <a:r>
-              <a:rPr lang="en-GB" sz="2800" dirty="0" smtClean="0"/>
-              <a:t>Scheduling meetings</a:t>
-            </a:r>
-          </a:p>
-          <a:p>
-            <a:r>
-              <a:rPr lang="en-GB" sz="2800" dirty="0" smtClean="0"/>
-              <a:t>Keeps track of frequency of the meetings</a:t>
-            </a:r>
-          </a:p>
-          <a:p>
-            <a:r>
-              <a:rPr lang="en-GB" sz="2800" dirty="0" smtClean="0"/>
-              <a:t>Alerts and Reminders</a:t>
-            </a:r>
-          </a:p>
-          <a:p>
-            <a:r>
-              <a:rPr lang="en-GB" sz="2800" dirty="0" smtClean="0"/>
-              <a:t>Performance report</a:t>
-            </a:r>
-          </a:p>
-          <a:p>
-            <a:endParaRPr lang="en-GB" sz="2800" dirty="0" smtClean="0"/>
-          </a:p>
-          <a:p>
-            <a:endParaRPr lang="en-GB" sz="2800" dirty="0" smtClean="0"/>
-          </a:p>
-          <a:p>
-            <a:endParaRPr lang="en-GB" sz="2800" dirty="0"/>
-          </a:p>
-        </p:txBody>
-      </p:sp>
+              <a:rPr lang="en-GB" sz="7200" dirty="0" smtClean="0">
+                <a:solidFill>
+                  <a:schemeClr val="tx2"/>
+                </a:solidFill>
+              </a:rPr>
+              <a:t>To the demo…</a:t>
+            </a:r>
+            <a:endParaRPr lang="en-GB" sz="7200" dirty="0">
+              <a:solidFill>
+                <a:schemeClr val="tx2"/>
+              </a:solidFill>
+            </a:endParaRPr>
+          </a:p>
+        </p:txBody>
+      </p:sp>
+      <p:pic>
+        <p:nvPicPr>
+          <p:cNvPr id="4" name="Picture 3"/>
+          <p:cNvPicPr>
+            <a:picLocks noChangeAspect="1"/>
+          </p:cNvPicPr>
+          <p:nvPr/>
+        </p:nvPicPr>
+        <p:blipFill>
+          <a:blip r:embed="rId2"/>
+          <a:stretch>
+            <a:fillRect/>
+          </a:stretch>
+        </p:blipFill>
+        <p:spPr>
+          <a:xfrm>
+            <a:off x="476048" y="1141190"/>
+            <a:ext cx="6426485" cy="3186114"/>
+          </a:xfrm>
+          <a:prstGeom prst="rect">
+            <a:avLst/>
+          </a:prstGeom>
+        </p:spPr>
+      </p:pic>
     </p:spTree>
     <p:extLst>
       <p:ext uri="{BB962C8B-B14F-4D97-AF65-F5344CB8AC3E}">
-        <p14:creationId xmlns:p14="http://schemas.microsoft.com/office/powerpoint/2010/main" val="767663582"/>
+        <p14:creationId xmlns:p14="http://schemas.microsoft.com/office/powerpoint/2010/main" val="1581366396"/>
       </p:ext>
     </p:extLst>
   </p:cSld>
@@ -4211,83 +4209,90 @@
       </p:grpSpPr>
       <p:sp>
         <p:nvSpPr>
-          <p:cNvPr id="3" name="TextBox 2"/>
-          <p:cNvSpPr txBox="1"/>
-          <p:nvPr/>
-        </p:nvSpPr>
-        <p:spPr>
-          <a:xfrm>
-            <a:off x="6040189" y="4726547"/>
-            <a:ext cx="7379595" cy="1200329"/>
-          </a:xfrm>
-          <a:prstGeom prst="rect">
-            <a:avLst/>
-          </a:prstGeom>
-          <a:noFill/>
-        </p:spPr>
-        <p:txBody>
-          <a:bodyPr wrap="square" rtlCol="0">
-            <a:spAutoFit/>
+          <p:cNvPr id="2" name="Title 1"/>
+          <p:cNvSpPr>
+            <a:spLocks noGrp="1"/>
+          </p:cNvSpPr>
+          <p:nvPr>
+            <p:ph type="title"/>
+          </p:nvPr>
+        </p:nvSpPr>
+        <p:spPr/>
+        <p:txBody>
+          <a:bodyPr/>
+          <a:lstStyle/>
+          <a:p>
+            <a:r>
+              <a:rPr lang="en-GB" dirty="0" smtClean="0"/>
+              <a:t>Future scope</a:t>
+            </a:r>
+            <a:endParaRPr lang="en-GB" dirty="0"/>
+          </a:p>
+        </p:txBody>
+      </p:sp>
+      <p:sp>
+        <p:nvSpPr>
+          <p:cNvPr id="3" name="Content Placeholder 2"/>
+          <p:cNvSpPr>
+            <a:spLocks noGrp="1"/>
+          </p:cNvSpPr>
+          <p:nvPr>
+            <p:ph idx="1"/>
+          </p:nvPr>
+        </p:nvSpPr>
+        <p:spPr/>
+        <p:txBody>
+          <a:bodyPr>
+            <a:normAutofit/>
           </a:bodyPr>
           <a:lstStyle/>
           <a:p>
             <a:r>
-              <a:rPr lang="en-GB" sz="7200" dirty="0" smtClean="0">
-                <a:solidFill>
-                  <a:schemeClr val="tx2"/>
-                </a:solidFill>
-              </a:rPr>
-              <a:t>To the demo…</a:t>
-            </a:r>
-            <a:endParaRPr lang="en-GB" sz="7200" dirty="0">
-              <a:solidFill>
-                <a:schemeClr val="tx2"/>
-              </a:solidFill>
-            </a:endParaRPr>
-          </a:p>
-        </p:txBody>
-      </p:sp>
-      <p:pic>
-        <p:nvPicPr>
-          <p:cNvPr id="4" name="Picture 3"/>
-          <p:cNvPicPr>
-            <a:picLocks noChangeAspect="1"/>
-          </p:cNvPicPr>
-          <p:nvPr/>
-        </p:nvPicPr>
-        <p:blipFill>
-          <a:blip r:embed="rId2"/>
-          <a:stretch>
-            <a:fillRect/>
-          </a:stretch>
-        </p:blipFill>
-        <p:spPr>
-          <a:xfrm>
-            <a:off x="476048" y="1141190"/>
-            <a:ext cx="6426485" cy="3186114"/>
-          </a:xfrm>
-          <a:prstGeom prst="rect">
-            <a:avLst/>
-          </a:prstGeom>
-        </p:spPr>
-      </p:pic>
+              <a:rPr lang="en-GB" sz="2800" dirty="0" smtClean="0"/>
+              <a:t>Automated pay-out calculation</a:t>
+            </a:r>
+          </a:p>
+          <a:p>
+            <a:r>
+              <a:rPr lang="en-GB" sz="2800" dirty="0" smtClean="0"/>
+              <a:t>Location based mentor-mentee matching suggestions</a:t>
+            </a:r>
+          </a:p>
+          <a:p>
+            <a:r>
+              <a:rPr lang="en-GB" sz="2800" dirty="0" smtClean="0"/>
+              <a:t>Feedback</a:t>
+            </a:r>
+            <a:r>
+              <a:rPr lang="en-GB" sz="2800" dirty="0"/>
+              <a:t> </a:t>
+            </a:r>
+            <a:r>
+              <a:rPr lang="en-GB" sz="2800" dirty="0" smtClean="0"/>
+              <a:t>through IVR</a:t>
+            </a:r>
+          </a:p>
+          <a:p>
+            <a:endParaRPr lang="en-GB" sz="2800" dirty="0"/>
+          </a:p>
+          <a:p>
+            <a:endParaRPr lang="en-GB" sz="2800" dirty="0" smtClean="0"/>
+          </a:p>
+          <a:p>
+            <a:endParaRPr lang="en-GB" sz="2800" dirty="0" smtClean="0"/>
+          </a:p>
+        </p:txBody>
+      </p:sp>
     </p:spTree>
     <p:extLst>
       <p:ext uri="{BB962C8B-B14F-4D97-AF65-F5344CB8AC3E}">
-        <p14:creationId xmlns:p14="http://schemas.microsoft.com/office/powerpoint/2010/main" val="1581366396"/>
+        <p14:creationId xmlns:p14="http://schemas.microsoft.com/office/powerpoint/2010/main" val="11891974"/>
       </p:ext>
     </p:extLst>
   </p:cSld>
   <p:clrMapOvr>
     <a:masterClrMapping/>
   </p:clrMapOvr>
-  <p:timing>
-    <p:tnLst>
-      <p:par>
-        <p:cTn id="1" dur="indefinite" restart="never" nodeType="tmRoot"/>
-      </p:par>
-    </p:tnLst>
-  </p:timing>
 </p:sld>
 </file>
 
